--- a/PPT/프로젝트 안내.pptx
+++ b/PPT/프로젝트 안내.pptx
@@ -158,7 +158,7 @@
   <pc:docChgLst>
     <pc:chgData name="jeongkilyong" userId="42a1e730-e7ec-4950-9a60-48236c77d83b" providerId="ADAL" clId="{F0988300-EC11-4658-9B0D-BF2D7A0916A5}"/>
     <pc:docChg chg="undo custSel addSld delSld modSld">
-      <pc:chgData name="jeongkilyong" userId="42a1e730-e7ec-4950-9a60-48236c77d83b" providerId="ADAL" clId="{F0988300-EC11-4658-9B0D-BF2D7A0916A5}" dt="2023-10-30T00:30:03.317" v="5515" actId="20577"/>
+      <pc:chgData name="jeongkilyong" userId="42a1e730-e7ec-4950-9a60-48236c77d83b" providerId="ADAL" clId="{F0988300-EC11-4658-9B0D-BF2D7A0916A5}" dt="2023-11-04T11:07:29.953" v="5516" actId="20577"/>
       <pc:docMkLst>
         <pc:docMk/>
       </pc:docMkLst>
@@ -596,13 +596,13 @@
         </pc:spChg>
       </pc:sldChg>
       <pc:sldChg chg="modSp add mod">
-        <pc:chgData name="jeongkilyong" userId="42a1e730-e7ec-4950-9a60-48236c77d83b" providerId="ADAL" clId="{F0988300-EC11-4658-9B0D-BF2D7A0916A5}" dt="2023-10-30T00:20:41.901" v="4775" actId="20577"/>
+        <pc:chgData name="jeongkilyong" userId="42a1e730-e7ec-4950-9a60-48236c77d83b" providerId="ADAL" clId="{F0988300-EC11-4658-9B0D-BF2D7A0916A5}" dt="2023-11-04T11:07:29.953" v="5516" actId="20577"/>
         <pc:sldMkLst>
           <pc:docMk/>
           <pc:sldMk cId="3196251229" sldId="339"/>
         </pc:sldMkLst>
         <pc:spChg chg="mod">
-          <ac:chgData name="jeongkilyong" userId="42a1e730-e7ec-4950-9a60-48236c77d83b" providerId="ADAL" clId="{F0988300-EC11-4658-9B0D-BF2D7A0916A5}" dt="2023-10-30T00:08:35.285" v="4178" actId="20577"/>
+          <ac:chgData name="jeongkilyong" userId="42a1e730-e7ec-4950-9a60-48236c77d83b" providerId="ADAL" clId="{F0988300-EC11-4658-9B0D-BF2D7A0916A5}" dt="2023-11-04T11:07:29.953" v="5516" actId="20577"/>
           <ac:spMkLst>
             <pc:docMk/>
             <pc:sldMk cId="3196251229" sldId="339"/>
@@ -2845,7 +2845,7 @@
             <a:fld id="{C5EB0431-1611-1744-95F0-8172773087C5}" type="datetimeFigureOut">
               <a:rPr lang="en-US" altLang="ko-Kore-KR" smtClean="0"/>
               <a:pPr/>
-              <a:t>10/30/2023</a:t>
+              <a:t>11/4/2023</a:t>
             </a:fld>
             <a:endParaRPr lang="ko-Kore-KR"/>
           </a:p>
@@ -3261,7 +3261,7 @@
           <a:p>
             <a:fld id="{5FD0AF26-B2D6-41C9-847A-12B3D1677265}" type="datetime1">
               <a:rPr kumimoji="1" lang="ko-KR" altLang="en-US" smtClean="0"/>
-              <a:t>2023-10-30</a:t>
+              <a:t>2023-11-04</a:t>
             </a:fld>
             <a:endParaRPr kumimoji="1" lang="ko-KR" altLang="en-US"/>
           </a:p>
@@ -3459,7 +3459,7 @@
           <a:p>
             <a:fld id="{11A845FB-4EAB-4F93-BE87-891FAC391B0C}" type="datetime1">
               <a:rPr kumimoji="1" lang="ko-KR" altLang="en-US" smtClean="0"/>
-              <a:t>2023-10-30</a:t>
+              <a:t>2023-11-04</a:t>
             </a:fld>
             <a:endParaRPr kumimoji="1" lang="ko-KR" altLang="en-US"/>
           </a:p>
@@ -3667,7 +3667,7 @@
           <a:p>
             <a:fld id="{6597FBCF-59BC-423C-A27E-A4E0342EEDF5}" type="datetime1">
               <a:rPr kumimoji="1" lang="ko-KR" altLang="en-US" smtClean="0"/>
-              <a:t>2023-10-30</a:t>
+              <a:t>2023-11-04</a:t>
             </a:fld>
             <a:endParaRPr kumimoji="1" lang="ko-KR" altLang="en-US"/>
           </a:p>
@@ -3865,7 +3865,7 @@
           <a:p>
             <a:fld id="{59DE6E8A-4C0D-4CC6-BBD6-2F945A6B3540}" type="datetime1">
               <a:rPr kumimoji="1" lang="ko-KR" altLang="en-US" smtClean="0"/>
-              <a:t>2023-10-30</a:t>
+              <a:t>2023-11-04</a:t>
             </a:fld>
             <a:endParaRPr kumimoji="1" lang="ko-KR" altLang="en-US"/>
           </a:p>
@@ -4140,7 +4140,7 @@
           <a:p>
             <a:fld id="{BEBFBD75-CCBA-4C22-86CA-859D220600AA}" type="datetime1">
               <a:rPr kumimoji="1" lang="ko-KR" altLang="en-US" smtClean="0"/>
-              <a:t>2023-10-30</a:t>
+              <a:t>2023-11-04</a:t>
             </a:fld>
             <a:endParaRPr kumimoji="1" lang="ko-KR" altLang="en-US"/>
           </a:p>
@@ -4405,7 +4405,7 @@
           <a:p>
             <a:fld id="{DB031150-5CB0-41C0-9104-5695DD253F49}" type="datetime1">
               <a:rPr kumimoji="1" lang="ko-KR" altLang="en-US" smtClean="0"/>
-              <a:t>2023-10-30</a:t>
+              <a:t>2023-11-04</a:t>
             </a:fld>
             <a:endParaRPr kumimoji="1" lang="ko-KR" altLang="en-US"/>
           </a:p>
@@ -4817,7 +4817,7 @@
           <a:p>
             <a:fld id="{0B78CFAD-1435-498E-ACFE-38131B135631}" type="datetime1">
               <a:rPr kumimoji="1" lang="ko-KR" altLang="en-US" smtClean="0"/>
-              <a:t>2023-10-30</a:t>
+              <a:t>2023-11-04</a:t>
             </a:fld>
             <a:endParaRPr kumimoji="1" lang="ko-KR" altLang="en-US"/>
           </a:p>
@@ -4958,7 +4958,7 @@
           <a:p>
             <a:fld id="{BF2AA6DB-F13D-4C47-BC2B-E1D25CB476ED}" type="datetime1">
               <a:rPr kumimoji="1" lang="ko-KR" altLang="en-US" smtClean="0"/>
-              <a:t>2023-10-30</a:t>
+              <a:t>2023-11-04</a:t>
             </a:fld>
             <a:endParaRPr kumimoji="1" lang="ko-KR" altLang="en-US"/>
           </a:p>
@@ -5071,7 +5071,7 @@
           <a:p>
             <a:fld id="{14FBB438-2880-4761-94BA-7F7996C8C3BD}" type="datetime1">
               <a:rPr kumimoji="1" lang="ko-KR" altLang="en-US" smtClean="0"/>
-              <a:t>2023-10-30</a:t>
+              <a:t>2023-11-04</a:t>
             </a:fld>
             <a:endParaRPr kumimoji="1" lang="ko-KR" altLang="en-US"/>
           </a:p>
@@ -5382,7 +5382,7 @@
           <a:p>
             <a:fld id="{C4D9C33D-E09A-4F6E-A7FA-CF959C3E6DEE}" type="datetime1">
               <a:rPr kumimoji="1" lang="ko-KR" altLang="en-US" smtClean="0"/>
-              <a:t>2023-10-30</a:t>
+              <a:t>2023-11-04</a:t>
             </a:fld>
             <a:endParaRPr kumimoji="1" lang="ko-KR" altLang="en-US"/>
           </a:p>
@@ -5670,7 +5670,7 @@
           <a:p>
             <a:fld id="{DB10E3DE-CCA8-4CB9-BDA2-4741B0CD6641}" type="datetime1">
               <a:rPr kumimoji="1" lang="ko-KR" altLang="en-US" smtClean="0"/>
-              <a:t>2023-10-30</a:t>
+              <a:t>2023-11-04</a:t>
             </a:fld>
             <a:endParaRPr kumimoji="1" lang="ko-KR" altLang="en-US"/>
           </a:p>
@@ -5913,7 +5913,7 @@
           <a:p>
             <a:fld id="{827CA893-2A65-4E72-A022-7CB16F3818A4}" type="datetime1">
               <a:rPr kumimoji="1" lang="ko-KR" altLang="en-US" smtClean="0"/>
-              <a:t>2023-10-30</a:t>
+              <a:t>2023-11-04</a:t>
             </a:fld>
             <a:endParaRPr kumimoji="1" lang="ko-KR" altLang="en-US"/>
           </a:p>
@@ -8923,7 +8923,7 @@
                 <a:latin typeface="Noto Sans CJK KR Regular" panose="020B0500000000000000" pitchFamily="34" charset="-127"/>
                 <a:ea typeface="Noto Sans CJK KR Regular" panose="020B0500000000000000" pitchFamily="34" charset="-127"/>
               </a:rPr>
-              <a:t>장점</a:t>
+              <a:t> 장점</a:t>
             </a:r>
             <a:endParaRPr lang="en-US" altLang="ko-KR" sz="2000">
               <a:latin typeface="Noto Sans CJK KR Regular" panose="020B0500000000000000" pitchFamily="34" charset="-127"/>
